--- a/00. 기획 수업/과제/참고 자료/200627 컨셉 기획_흐름 도식화.pptx
+++ b/00. 기획 수업/과제/참고 자료/200627 컨셉 기획_흐름 도식화.pptx
@@ -242,7 +242,7 @@
           <a:p>
             <a:fld id="{9102E0F3-1E43-4FFD-B56B-5FA86132FE65}" type="datetimeFigureOut">
               <a:rPr lang="ko-KR" altLang="en-US" smtClean="0"/>
-              <a:t>2020-08-01</a:t>
+              <a:t>2020-09-19</a:t>
             </a:fld>
             <a:endParaRPr lang="ko-KR" altLang="en-US"/>
           </a:p>
@@ -410,7 +410,7 @@
           <a:p>
             <a:fld id="{9102E0F3-1E43-4FFD-B56B-5FA86132FE65}" type="datetimeFigureOut">
               <a:rPr lang="ko-KR" altLang="en-US" smtClean="0"/>
-              <a:t>2020-08-01</a:t>
+              <a:t>2020-09-19</a:t>
             </a:fld>
             <a:endParaRPr lang="ko-KR" altLang="en-US"/>
           </a:p>
@@ -588,7 +588,7 @@
           <a:p>
             <a:fld id="{9102E0F3-1E43-4FFD-B56B-5FA86132FE65}" type="datetimeFigureOut">
               <a:rPr lang="ko-KR" altLang="en-US" smtClean="0"/>
-              <a:t>2020-08-01</a:t>
+              <a:t>2020-09-19</a:t>
             </a:fld>
             <a:endParaRPr lang="ko-KR" altLang="en-US"/>
           </a:p>
@@ -756,7 +756,7 @@
           <a:p>
             <a:fld id="{9102E0F3-1E43-4FFD-B56B-5FA86132FE65}" type="datetimeFigureOut">
               <a:rPr lang="ko-KR" altLang="en-US" smtClean="0"/>
-              <a:t>2020-08-01</a:t>
+              <a:t>2020-09-19</a:t>
             </a:fld>
             <a:endParaRPr lang="ko-KR" altLang="en-US"/>
           </a:p>
@@ -1001,7 +1001,7 @@
           <a:p>
             <a:fld id="{9102E0F3-1E43-4FFD-B56B-5FA86132FE65}" type="datetimeFigureOut">
               <a:rPr lang="ko-KR" altLang="en-US" smtClean="0"/>
-              <a:t>2020-08-01</a:t>
+              <a:t>2020-09-19</a:t>
             </a:fld>
             <a:endParaRPr lang="ko-KR" altLang="en-US"/>
           </a:p>
@@ -1230,7 +1230,7 @@
           <a:p>
             <a:fld id="{9102E0F3-1E43-4FFD-B56B-5FA86132FE65}" type="datetimeFigureOut">
               <a:rPr lang="ko-KR" altLang="en-US" smtClean="0"/>
-              <a:t>2020-08-01</a:t>
+              <a:t>2020-09-19</a:t>
             </a:fld>
             <a:endParaRPr lang="ko-KR" altLang="en-US"/>
           </a:p>
@@ -1594,7 +1594,7 @@
           <a:p>
             <a:fld id="{9102E0F3-1E43-4FFD-B56B-5FA86132FE65}" type="datetimeFigureOut">
               <a:rPr lang="ko-KR" altLang="en-US" smtClean="0"/>
-              <a:t>2020-08-01</a:t>
+              <a:t>2020-09-19</a:t>
             </a:fld>
             <a:endParaRPr lang="ko-KR" altLang="en-US"/>
           </a:p>
@@ -1711,7 +1711,7 @@
           <a:p>
             <a:fld id="{9102E0F3-1E43-4FFD-B56B-5FA86132FE65}" type="datetimeFigureOut">
               <a:rPr lang="ko-KR" altLang="en-US" smtClean="0"/>
-              <a:t>2020-08-01</a:t>
+              <a:t>2020-09-19</a:t>
             </a:fld>
             <a:endParaRPr lang="ko-KR" altLang="en-US"/>
           </a:p>
@@ -1806,7 +1806,7 @@
           <a:p>
             <a:fld id="{9102E0F3-1E43-4FFD-B56B-5FA86132FE65}" type="datetimeFigureOut">
               <a:rPr lang="ko-KR" altLang="en-US" smtClean="0"/>
-              <a:t>2020-08-01</a:t>
+              <a:t>2020-09-19</a:t>
             </a:fld>
             <a:endParaRPr lang="ko-KR" altLang="en-US"/>
           </a:p>
@@ -2081,7 +2081,7 @@
           <a:p>
             <a:fld id="{9102E0F3-1E43-4FFD-B56B-5FA86132FE65}" type="datetimeFigureOut">
               <a:rPr lang="ko-KR" altLang="en-US" smtClean="0"/>
-              <a:t>2020-08-01</a:t>
+              <a:t>2020-09-19</a:t>
             </a:fld>
             <a:endParaRPr lang="ko-KR" altLang="en-US"/>
           </a:p>
@@ -2333,7 +2333,7 @@
           <a:p>
             <a:fld id="{9102E0F3-1E43-4FFD-B56B-5FA86132FE65}" type="datetimeFigureOut">
               <a:rPr lang="ko-KR" altLang="en-US" smtClean="0"/>
-              <a:t>2020-08-01</a:t>
+              <a:t>2020-09-19</a:t>
             </a:fld>
             <a:endParaRPr lang="ko-KR" altLang="en-US"/>
           </a:p>
@@ -2544,7 +2544,7 @@
           <a:p>
             <a:fld id="{9102E0F3-1E43-4FFD-B56B-5FA86132FE65}" type="datetimeFigureOut">
               <a:rPr lang="ko-KR" altLang="en-US" smtClean="0"/>
-              <a:t>2020-08-01</a:t>
+              <a:t>2020-09-19</a:t>
             </a:fld>
             <a:endParaRPr lang="ko-KR" altLang="en-US"/>
           </a:p>
@@ -2965,9 +2965,7 @@
           </a:prstGeom>
           <a:ln w="57150">
             <a:solidFill>
-              <a:schemeClr val="bg2">
-                <a:lumMod val="50000"/>
-              </a:schemeClr>
+              <a:srgbClr val="000000"/>
             </a:solidFill>
           </a:ln>
         </p:spPr>
@@ -3002,9 +3000,7 @@
           </a:prstGeom>
           <a:ln w="57150">
             <a:solidFill>
-              <a:schemeClr val="bg2">
-                <a:lumMod val="50000"/>
-              </a:schemeClr>
+              <a:srgbClr val="000000"/>
             </a:solidFill>
           </a:ln>
         </p:spPr>
@@ -3039,9 +3035,7 @@
           </a:prstGeom>
           <a:ln w="57150">
             <a:solidFill>
-              <a:schemeClr val="bg2">
-                <a:lumMod val="50000"/>
-              </a:schemeClr>
+              <a:srgbClr val="000000"/>
             </a:solidFill>
           </a:ln>
         </p:spPr>
@@ -3076,9 +3070,7 @@
           </a:prstGeom>
           <a:ln w="57150">
             <a:solidFill>
-              <a:schemeClr val="bg2">
-                <a:lumMod val="50000"/>
-              </a:schemeClr>
+              <a:srgbClr val="000000"/>
             </a:solidFill>
           </a:ln>
         </p:spPr>
@@ -3112,10 +3104,7 @@
             <a:avLst/>
           </a:prstGeom>
           <a:solidFill>
-            <a:schemeClr val="tx2">
-              <a:lumMod val="20000"/>
-              <a:lumOff val="80000"/>
-            </a:schemeClr>
+            <a:srgbClr val="DBDBDB"/>
           </a:solidFill>
           <a:ln>
             <a:noFill/>
@@ -3171,10 +3160,7 @@
             <a:avLst/>
           </a:prstGeom>
           <a:solidFill>
-            <a:schemeClr val="tx2">
-              <a:lumMod val="20000"/>
-              <a:lumOff val="80000"/>
-            </a:schemeClr>
+            <a:srgbClr val="DBDBDB"/>
           </a:solidFill>
           <a:ln>
             <a:noFill/>
@@ -3238,10 +3224,7 @@
             <a:avLst/>
           </a:prstGeom>
           <a:solidFill>
-            <a:schemeClr val="tx2">
-              <a:lumMod val="20000"/>
-              <a:lumOff val="80000"/>
-            </a:schemeClr>
+            <a:srgbClr val="DBDBDB"/>
           </a:solidFill>
           <a:ln>
             <a:noFill/>
@@ -3297,10 +3280,7 @@
             <a:avLst/>
           </a:prstGeom>
           <a:solidFill>
-            <a:schemeClr val="tx2">
-              <a:lumMod val="20000"/>
-              <a:lumOff val="80000"/>
-            </a:schemeClr>
+            <a:srgbClr val="DBDBDB"/>
           </a:solidFill>
           <a:ln>
             <a:noFill/>
@@ -3389,10 +3369,7 @@
             <a:avLst/>
           </a:prstGeom>
           <a:solidFill>
-            <a:schemeClr val="tx2">
-              <a:lumMod val="20000"/>
-              <a:lumOff val="80000"/>
-            </a:schemeClr>
+            <a:srgbClr val="DBDBDB"/>
           </a:solidFill>
           <a:ln>
             <a:noFill/>
@@ -3448,10 +3425,7 @@
             <a:avLst/>
           </a:prstGeom>
           <a:solidFill>
-            <a:schemeClr val="tx2">
-              <a:lumMod val="20000"/>
-              <a:lumOff val="80000"/>
-            </a:schemeClr>
+            <a:srgbClr val="DBDBDB"/>
           </a:solidFill>
           <a:ln>
             <a:noFill/>
@@ -3507,10 +3481,7 @@
             <a:avLst/>
           </a:prstGeom>
           <a:solidFill>
-            <a:schemeClr val="tx2">
-              <a:lumMod val="20000"/>
-              <a:lumOff val="80000"/>
-            </a:schemeClr>
+            <a:srgbClr val="DBDBDB"/>
           </a:solidFill>
           <a:ln>
             <a:noFill/>
@@ -3566,10 +3537,7 @@
             <a:avLst/>
           </a:prstGeom>
           <a:solidFill>
-            <a:schemeClr val="tx2">
-              <a:lumMod val="20000"/>
-              <a:lumOff val="80000"/>
-            </a:schemeClr>
+            <a:srgbClr val="DBDBDB"/>
           </a:solidFill>
           <a:ln>
             <a:noFill/>
@@ -3625,10 +3593,7 @@
             <a:avLst/>
           </a:prstGeom>
           <a:solidFill>
-            <a:schemeClr val="tx2">
-              <a:lumMod val="20000"/>
-              <a:lumOff val="80000"/>
-            </a:schemeClr>
+            <a:srgbClr val="DBDBDB"/>
           </a:solidFill>
           <a:ln>
             <a:noFill/>
@@ -3684,10 +3649,7 @@
             <a:avLst/>
           </a:prstGeom>
           <a:solidFill>
-            <a:schemeClr val="tx2">
-              <a:lumMod val="20000"/>
-              <a:lumOff val="80000"/>
-            </a:schemeClr>
+            <a:srgbClr val="DBDBDB"/>
           </a:solidFill>
           <a:ln>
             <a:noFill/>
@@ -3747,9 +3709,7 @@
           </a:prstGeom>
           <a:ln w="57150">
             <a:solidFill>
-              <a:schemeClr val="bg2">
-                <a:lumMod val="50000"/>
-              </a:schemeClr>
+              <a:srgbClr val="000000"/>
             </a:solidFill>
           </a:ln>
         </p:spPr>
@@ -3783,10 +3743,7 @@
             <a:avLst/>
           </a:prstGeom>
           <a:solidFill>
-            <a:schemeClr val="tx2">
-              <a:lumMod val="20000"/>
-              <a:lumOff val="80000"/>
-            </a:schemeClr>
+            <a:srgbClr val="DBDBDB"/>
           </a:solidFill>
           <a:ln>
             <a:noFill/>
@@ -3850,10 +3807,7 @@
             <a:avLst/>
           </a:prstGeom>
           <a:solidFill>
-            <a:schemeClr val="tx2">
-              <a:lumMod val="20000"/>
-              <a:lumOff val="80000"/>
-            </a:schemeClr>
+            <a:srgbClr val="DBDBDB"/>
           </a:solidFill>
           <a:ln>
             <a:noFill/>
@@ -3922,9 +3876,7 @@
           </a:prstGeom>
           <a:ln w="57150">
             <a:solidFill>
-              <a:schemeClr val="bg2">
-                <a:lumMod val="50000"/>
-              </a:schemeClr>
+              <a:srgbClr val="000000"/>
             </a:solidFill>
           </a:ln>
         </p:spPr>
@@ -3963,9 +3915,7 @@
           </a:prstGeom>
           <a:ln w="57150">
             <a:solidFill>
-              <a:schemeClr val="bg2">
-                <a:lumMod val="50000"/>
-              </a:schemeClr>
+              <a:srgbClr val="000000"/>
             </a:solidFill>
           </a:ln>
         </p:spPr>
@@ -4004,9 +3954,7 @@
           </a:prstGeom>
           <a:ln w="57150">
             <a:solidFill>
-              <a:schemeClr val="bg2">
-                <a:lumMod val="50000"/>
-              </a:schemeClr>
+              <a:srgbClr val="000000"/>
             </a:solidFill>
           </a:ln>
         </p:spPr>
@@ -4045,9 +3993,7 @@
           </a:prstGeom>
           <a:ln w="57150">
             <a:solidFill>
-              <a:schemeClr val="bg2">
-                <a:lumMod val="50000"/>
-              </a:schemeClr>
+              <a:srgbClr val="000000"/>
             </a:solidFill>
           </a:ln>
         </p:spPr>
@@ -4082,9 +4028,7 @@
           </a:prstGeom>
           <a:ln w="57150">
             <a:solidFill>
-              <a:schemeClr val="bg2">
-                <a:lumMod val="50000"/>
-              </a:schemeClr>
+              <a:srgbClr val="000000"/>
             </a:solidFill>
           </a:ln>
         </p:spPr>
@@ -4111,7 +4055,7 @@
         </p:nvCxnSpPr>
         <p:spPr>
           <a:xfrm flipH="1">
-            <a:off x="7790843" y="3089164"/>
+            <a:off x="7778317" y="3089164"/>
             <a:ext cx="0" cy="837871"/>
           </a:xfrm>
           <a:prstGeom prst="line">
@@ -4119,9 +4063,7 @@
           </a:prstGeom>
           <a:ln w="57150">
             <a:solidFill>
-              <a:schemeClr val="bg2">
-                <a:lumMod val="50000"/>
-              </a:schemeClr>
+              <a:srgbClr val="000000"/>
             </a:solidFill>
           </a:ln>
         </p:spPr>
@@ -4160,9 +4102,7 @@
           </a:prstGeom>
           <a:ln w="57150">
             <a:solidFill>
-              <a:schemeClr val="bg2">
-                <a:lumMod val="50000"/>
-              </a:schemeClr>
+              <a:srgbClr val="000000"/>
             </a:solidFill>
           </a:ln>
         </p:spPr>
@@ -4201,9 +4141,7 @@
           </a:prstGeom>
           <a:ln w="57150">
             <a:solidFill>
-              <a:schemeClr val="bg2">
-                <a:lumMod val="50000"/>
-              </a:schemeClr>
+              <a:srgbClr val="000000"/>
             </a:solidFill>
           </a:ln>
         </p:spPr>
@@ -4238,9 +4176,7 @@
           </a:prstGeom>
           <a:ln w="57150">
             <a:solidFill>
-              <a:schemeClr val="bg2">
-                <a:lumMod val="50000"/>
-              </a:schemeClr>
+              <a:srgbClr val="000000"/>
             </a:solidFill>
           </a:ln>
         </p:spPr>
@@ -4275,9 +4211,7 @@
           </a:prstGeom>
           <a:ln w="57150">
             <a:solidFill>
-              <a:schemeClr val="bg2">
-                <a:lumMod val="50000"/>
-              </a:schemeClr>
+              <a:srgbClr val="000000"/>
             </a:solidFill>
           </a:ln>
         </p:spPr>
@@ -4315,9 +4249,7 @@
           </a:prstGeom>
           <a:ln w="57150">
             <a:solidFill>
-              <a:schemeClr val="bg2">
-                <a:lumMod val="50000"/>
-              </a:schemeClr>
+              <a:srgbClr val="000000"/>
             </a:solidFill>
           </a:ln>
         </p:spPr>
@@ -4352,9 +4284,7 @@
           </a:prstGeom>
           <a:ln w="57150">
             <a:solidFill>
-              <a:schemeClr val="bg2">
-                <a:lumMod val="50000"/>
-              </a:schemeClr>
+              <a:srgbClr val="000000"/>
             </a:solidFill>
           </a:ln>
         </p:spPr>
@@ -4389,9 +4319,7 @@
           </a:prstGeom>
           <a:ln w="57150">
             <a:solidFill>
-              <a:schemeClr val="bg2">
-                <a:lumMod val="50000"/>
-              </a:schemeClr>
+              <a:srgbClr val="000000"/>
             </a:solidFill>
           </a:ln>
         </p:spPr>
@@ -4412,10 +4340,10 @@
       </p:cxnSp>
       <p:sp>
         <p:nvSpPr>
-          <p:cNvPr id="32" name="직사각형 31">
+          <p:cNvPr id="36" name="직사각형 35">
             <a:extLst>
               <a:ext uri="{FF2B5EF4-FFF2-40B4-BE49-F238E27FC236}">
-                <a16:creationId xmlns:a16="http://schemas.microsoft.com/office/drawing/2014/main" id="{88507492-4286-4703-B3D9-4A44270FBC0E}"/>
+                <a16:creationId xmlns:a16="http://schemas.microsoft.com/office/drawing/2014/main" id="{CD403A34-7002-4336-A153-22D86BF72A99}"/>
               </a:ext>
             </a:extLst>
           </p:cNvPr>
@@ -4454,12 +4382,28 @@
               <a:defRPr/>
             </a:pPr>
             <a:r>
-              <a:rPr lang="ko-KR" altLang="en-US" sz="1600" kern="0" dirty="0">
+              <a:rPr lang="ko-KR" altLang="en-US" sz="1600" kern="0" dirty="0" smtClean="0">
                 <a:latin typeface="KoPubWorld돋움체 Light" panose="00000300000000000000" pitchFamily="2" charset="-127"/>
                 <a:ea typeface="KoPubWorld돋움체 Light" panose="00000300000000000000" pitchFamily="2" charset="-127"/>
                 <a:cs typeface="KoPubWorld돋움체 Light" panose="00000300000000000000" pitchFamily="2" charset="-127"/>
               </a:rPr>
-              <a:t>게임 진행</a:t>
+              <a:t>게임</a:t>
+            </a:r>
+            <a:r>
+              <a:rPr lang="en-US" altLang="ko-KR" sz="1600" kern="0" dirty="0" smtClean="0">
+                <a:latin typeface="KoPubWorld돋움체 Light" panose="00000300000000000000" pitchFamily="2" charset="-127"/>
+                <a:ea typeface="KoPubWorld돋움체 Light" panose="00000300000000000000" pitchFamily="2" charset="-127"/>
+                <a:cs typeface="KoPubWorld돋움체 Light" panose="00000300000000000000" pitchFamily="2" charset="-127"/>
+              </a:rPr>
+              <a:t> </a:t>
+            </a:r>
+            <a:r>
+              <a:rPr lang="ko-KR" altLang="en-US" sz="1600" kern="0" dirty="0" smtClean="0">
+                <a:latin typeface="KoPubWorld돋움체 Light" panose="00000300000000000000" pitchFamily="2" charset="-127"/>
+                <a:ea typeface="KoPubWorld돋움체 Light" panose="00000300000000000000" pitchFamily="2" charset="-127"/>
+                <a:cs typeface="KoPubWorld돋움체 Light" panose="00000300000000000000" pitchFamily="2" charset="-127"/>
+              </a:rPr>
+              <a:t>진행</a:t>
             </a:r>
             <a:endParaRPr lang="en-US" altLang="ko-KR" sz="1600" kern="0" dirty="0">
               <a:latin typeface="KoPubWorld돋움체 Light" panose="00000300000000000000" pitchFamily="2" charset="-127"/>
@@ -4517,9 +4461,7 @@
           </a:prstGeom>
           <a:ln w="57150">
             <a:solidFill>
-              <a:schemeClr val="bg2">
-                <a:lumMod val="50000"/>
-              </a:schemeClr>
+              <a:srgbClr val="000000"/>
             </a:solidFill>
           </a:ln>
         </p:spPr>
@@ -4553,10 +4495,7 @@
             <a:avLst/>
           </a:prstGeom>
           <a:solidFill>
-            <a:schemeClr val="tx2">
-              <a:lumMod val="20000"/>
-              <a:lumOff val="80000"/>
-            </a:schemeClr>
+            <a:srgbClr val="DBDBDB"/>
           </a:solidFill>
           <a:ln>
             <a:noFill/>
@@ -4612,10 +4551,7 @@
             <a:avLst/>
           </a:prstGeom>
           <a:solidFill>
-            <a:schemeClr val="tx2">
-              <a:lumMod val="20000"/>
-              <a:lumOff val="80000"/>
-            </a:schemeClr>
+            <a:srgbClr val="DBDBDB"/>
           </a:solidFill>
           <a:ln>
             <a:noFill/>
@@ -4672,9 +4608,7 @@
           </a:prstGeom>
           <a:ln w="57150">
             <a:solidFill>
-              <a:schemeClr val="bg2">
-                <a:lumMod val="50000"/>
-              </a:schemeClr>
+              <a:srgbClr val="000000"/>
             </a:solidFill>
           </a:ln>
         </p:spPr>
@@ -4708,10 +4642,7 @@
             <a:avLst/>
           </a:prstGeom>
           <a:solidFill>
-            <a:schemeClr val="tx2">
-              <a:lumMod val="20000"/>
-              <a:lumOff val="80000"/>
-            </a:schemeClr>
+            <a:srgbClr val="DBDBDB"/>
           </a:solidFill>
           <a:ln>
             <a:noFill/>
@@ -4768,9 +4699,7 @@
           </a:prstGeom>
           <a:ln w="57150">
             <a:solidFill>
-              <a:schemeClr val="bg2">
-                <a:lumMod val="50000"/>
-              </a:schemeClr>
+              <a:srgbClr val="000000"/>
             </a:solidFill>
           </a:ln>
         </p:spPr>
@@ -4804,10 +4733,7 @@
             <a:avLst/>
           </a:prstGeom>
           <a:solidFill>
-            <a:schemeClr val="tx2">
-              <a:lumMod val="20000"/>
-              <a:lumOff val="80000"/>
-            </a:schemeClr>
+            <a:srgbClr val="DBDBDB"/>
           </a:solidFill>
           <a:ln>
             <a:noFill/>
@@ -4864,9 +4790,7 @@
           </a:prstGeom>
           <a:ln w="57150">
             <a:solidFill>
-              <a:schemeClr val="bg2">
-                <a:lumMod val="50000"/>
-              </a:schemeClr>
+              <a:srgbClr val="000000"/>
             </a:solidFill>
           </a:ln>
         </p:spPr>
@@ -4904,9 +4828,7 @@
           </a:prstGeom>
           <a:ln w="57150">
             <a:solidFill>
-              <a:schemeClr val="bg2">
-                <a:lumMod val="50000"/>
-              </a:schemeClr>
+              <a:srgbClr val="000000"/>
             </a:solidFill>
           </a:ln>
         </p:spPr>
@@ -4940,10 +4862,7 @@
             <a:avLst/>
           </a:prstGeom>
           <a:solidFill>
-            <a:schemeClr val="tx2">
-              <a:lumMod val="20000"/>
-              <a:lumOff val="80000"/>
-            </a:schemeClr>
+            <a:srgbClr val="DBDBDB"/>
           </a:solidFill>
           <a:ln>
             <a:noFill/>
@@ -5002,9 +4921,7 @@
           </a:prstGeom>
           <a:ln w="57150">
             <a:solidFill>
-              <a:schemeClr val="bg2">
-                <a:lumMod val="50000"/>
-              </a:schemeClr>
+              <a:srgbClr val="000000"/>
             </a:solidFill>
           </a:ln>
         </p:spPr>
@@ -5038,10 +4955,7 @@
             <a:avLst/>
           </a:prstGeom>
           <a:solidFill>
-            <a:schemeClr val="tx2">
-              <a:lumMod val="20000"/>
-              <a:lumOff val="80000"/>
-            </a:schemeClr>
+            <a:srgbClr val="DBDBDB"/>
           </a:solidFill>
           <a:ln>
             <a:noFill/>
@@ -5100,9 +5014,7 @@
           </a:prstGeom>
           <a:ln w="57150">
             <a:solidFill>
-              <a:schemeClr val="bg2">
-                <a:lumMod val="50000"/>
-              </a:schemeClr>
+              <a:srgbClr val="000000"/>
             </a:solidFill>
           </a:ln>
         </p:spPr>
@@ -5136,10 +5048,7 @@
             <a:avLst/>
           </a:prstGeom>
           <a:solidFill>
-            <a:schemeClr val="tx2">
-              <a:lumMod val="20000"/>
-              <a:lumOff val="80000"/>
-            </a:schemeClr>
+            <a:srgbClr val="DBDBDB"/>
           </a:solidFill>
           <a:ln>
             <a:noFill/>
@@ -5198,9 +5107,7 @@
           </a:prstGeom>
           <a:ln w="57150">
             <a:solidFill>
-              <a:schemeClr val="bg2">
-                <a:lumMod val="50000"/>
-              </a:schemeClr>
+              <a:srgbClr val="000000"/>
             </a:solidFill>
           </a:ln>
         </p:spPr>
@@ -5234,10 +5141,7 @@
             <a:avLst/>
           </a:prstGeom>
           <a:solidFill>
-            <a:schemeClr val="tx2">
-              <a:lumMod val="20000"/>
-              <a:lumOff val="80000"/>
-            </a:schemeClr>
+            <a:srgbClr val="DBDBDB"/>
           </a:solidFill>
           <a:ln>
             <a:noFill/>
@@ -5294,9 +5198,7 @@
           </a:prstGeom>
           <a:ln w="57150">
             <a:solidFill>
-              <a:schemeClr val="bg2">
-                <a:lumMod val="50000"/>
-              </a:schemeClr>
+              <a:srgbClr val="000000"/>
             </a:solidFill>
           </a:ln>
         </p:spPr>
@@ -5333,9 +5235,7 @@
           </a:prstGeom>
           <a:ln w="57150">
             <a:solidFill>
-              <a:schemeClr val="bg2">
-                <a:lumMod val="50000"/>
-              </a:schemeClr>
+              <a:srgbClr val="000000"/>
             </a:solidFill>
           </a:ln>
         </p:spPr>
@@ -5369,10 +5269,7 @@
             <a:avLst/>
           </a:prstGeom>
           <a:solidFill>
-            <a:schemeClr val="tx2">
-              <a:lumMod val="20000"/>
-              <a:lumOff val="80000"/>
-            </a:schemeClr>
+            <a:srgbClr val="DBDBDB"/>
           </a:solidFill>
           <a:ln>
             <a:noFill/>
@@ -5431,9 +5328,7 @@
           </a:prstGeom>
           <a:ln w="57150">
             <a:solidFill>
-              <a:schemeClr val="bg2">
-                <a:lumMod val="50000"/>
-              </a:schemeClr>
+              <a:srgbClr val="000000"/>
             </a:solidFill>
           </a:ln>
         </p:spPr>
@@ -5467,10 +5362,7 @@
             <a:avLst/>
           </a:prstGeom>
           <a:solidFill>
-            <a:schemeClr val="tx2">
-              <a:lumMod val="20000"/>
-              <a:lumOff val="80000"/>
-            </a:schemeClr>
+            <a:srgbClr val="DBDBDB"/>
           </a:solidFill>
           <a:ln>
             <a:noFill/>
@@ -5530,9 +5422,7 @@
           </a:prstGeom>
           <a:ln w="57150">
             <a:solidFill>
-              <a:schemeClr val="bg2">
-                <a:lumMod val="50000"/>
-              </a:schemeClr>
+              <a:srgbClr val="000000"/>
             </a:solidFill>
           </a:ln>
         </p:spPr>
@@ -5566,10 +5456,7 @@
             <a:avLst/>
           </a:prstGeom>
           <a:solidFill>
-            <a:schemeClr val="tx2">
-              <a:lumMod val="20000"/>
-              <a:lumOff val="80000"/>
-            </a:schemeClr>
+            <a:srgbClr val="DBDBDB"/>
           </a:solidFill>
           <a:ln>
             <a:noFill/>
@@ -5626,9 +5513,7 @@
           </a:prstGeom>
           <a:ln w="57150">
             <a:solidFill>
-              <a:schemeClr val="bg2">
-                <a:lumMod val="50000"/>
-              </a:schemeClr>
+              <a:srgbClr val="000000"/>
             </a:solidFill>
           </a:ln>
         </p:spPr>
@@ -5665,9 +5550,7 @@
           </a:prstGeom>
           <a:ln w="57150">
             <a:solidFill>
-              <a:schemeClr val="bg2">
-                <a:lumMod val="50000"/>
-              </a:schemeClr>
+              <a:srgbClr val="000000"/>
             </a:solidFill>
           </a:ln>
         </p:spPr>
@@ -5701,10 +5584,7 @@
             <a:avLst/>
           </a:prstGeom>
           <a:solidFill>
-            <a:schemeClr val="tx2">
-              <a:lumMod val="20000"/>
-              <a:lumOff val="80000"/>
-            </a:schemeClr>
+            <a:srgbClr val="DBDBDB"/>
           </a:solidFill>
           <a:ln>
             <a:noFill/>
@@ -5808,9 +5688,7 @@
           </a:prstGeom>
           <a:ln w="57150">
             <a:solidFill>
-              <a:schemeClr val="bg2">
-                <a:lumMod val="50000"/>
-              </a:schemeClr>
+              <a:srgbClr val="000000"/>
             </a:solidFill>
           </a:ln>
         </p:spPr>
@@ -5844,10 +5722,7 @@
             <a:avLst/>
           </a:prstGeom>
           <a:solidFill>
-            <a:schemeClr val="tx2">
-              <a:lumMod val="20000"/>
-              <a:lumOff val="80000"/>
-            </a:schemeClr>
+            <a:srgbClr val="DBDBDB"/>
           </a:solidFill>
           <a:ln>
             <a:noFill/>
@@ -5964,9 +5839,7 @@
           </a:prstGeom>
           <a:ln w="57150">
             <a:solidFill>
-              <a:schemeClr val="bg2">
-                <a:lumMod val="50000"/>
-              </a:schemeClr>
+              <a:srgbClr val="000000"/>
             </a:solidFill>
           </a:ln>
         </p:spPr>
@@ -6000,10 +5873,7 @@
             <a:avLst/>
           </a:prstGeom>
           <a:solidFill>
-            <a:schemeClr val="tx2">
-              <a:lumMod val="20000"/>
-              <a:lumOff val="80000"/>
-            </a:schemeClr>
+            <a:srgbClr val="DBDBDB"/>
           </a:solidFill>
           <a:ln>
             <a:noFill/>
@@ -6062,9 +5932,7 @@
           </a:prstGeom>
           <a:ln w="57150">
             <a:solidFill>
-              <a:schemeClr val="bg2">
-                <a:lumMod val="50000"/>
-              </a:schemeClr>
+              <a:srgbClr val="000000"/>
             </a:solidFill>
           </a:ln>
         </p:spPr>
@@ -6098,10 +5966,7 @@
             <a:avLst/>
           </a:prstGeom>
           <a:solidFill>
-            <a:schemeClr val="tx2">
-              <a:lumMod val="20000"/>
-              <a:lumOff val="80000"/>
-            </a:schemeClr>
+            <a:srgbClr val="DBDBDB"/>
           </a:solidFill>
           <a:ln>
             <a:noFill/>
@@ -6160,9 +6025,7 @@
           </a:prstGeom>
           <a:ln w="57150">
             <a:solidFill>
-              <a:schemeClr val="bg2">
-                <a:lumMod val="50000"/>
-              </a:schemeClr>
+              <a:srgbClr val="000000"/>
             </a:solidFill>
           </a:ln>
         </p:spPr>
@@ -6196,10 +6059,7 @@
             <a:avLst/>
           </a:prstGeom>
           <a:solidFill>
-            <a:schemeClr val="tx2">
-              <a:lumMod val="20000"/>
-              <a:lumOff val="80000"/>
-            </a:schemeClr>
+            <a:srgbClr val="DBDBDB"/>
           </a:solidFill>
           <a:ln>
             <a:noFill/>
